--- a/JavaScript/Slide/Chapter 5_How to script forms and controls - Dang review.pptx
+++ b/JavaScript/Slide/Chapter 5_How to script forms and controls - Dang review.pptx
@@ -200,6 +200,32 @@
 </p:presentation>
 </file>
 
+<file path=ppt/commentAuthors.xml><?xml version="1.0" encoding="utf-8"?>
+<p:cmAuthorLst xmlns:a="http://schemas.openxmlformats.org/drawingml/2006/main" xmlns:r="http://schemas.openxmlformats.org/officeDocument/2006/relationships" xmlns:p="http://schemas.openxmlformats.org/presentationml/2006/main">
+  <p:cmAuthor id="1" name="Pdviet5073" initials="P" lastIdx="1" clrIdx="0">
+    <p:extLst>
+      <p:ext uri="{19B8F6BF-5375-455C-9EA6-DF929625EA0E}">
+        <p15:presenceInfo xmlns:p15="http://schemas.microsoft.com/office/powerpoint/2012/main" userId="Pdviet5073" providerId="None"/>
+      </p:ext>
+    </p:extLst>
+  </p:cmAuthor>
+</p:cmAuthorLst>
+</file>
+
+<file path=ppt/comments/comment1.xml><?xml version="1.0" encoding="utf-8"?>
+<p:cmLst xmlns:a="http://schemas.openxmlformats.org/drawingml/2006/main" xmlns:r="http://schemas.openxmlformats.org/officeDocument/2006/relationships" xmlns:p="http://schemas.openxmlformats.org/presentationml/2006/main">
+  <p:cm authorId="1" dt="2020-06-10T18:30:44.247" idx="1">
+    <p:pos x="10" y="10"/>
+    <p:text>để tạo giá trị mặc định cho thẻ option, dùng astribiute selected</p:text>
+    <p:extLst>
+      <p:ext uri="{C676402C-5697-4E1C-873F-D02D1690AC5C}">
+        <p15:threadingInfo xmlns:p15="http://schemas.microsoft.com/office/powerpoint/2012/main" timeZoneBias="-420"/>
+      </p:ext>
+    </p:extLst>
+  </p:cm>
+</p:cmLst>
+</file>
+
 <file path=ppt/notesMasters/notesMaster1.xml><?xml version="1.0" encoding="utf-8"?>
 <p:notesMaster xmlns:a="http://schemas.openxmlformats.org/drawingml/2006/main" xmlns:r="http://schemas.openxmlformats.org/officeDocument/2006/relationships" xmlns:p="http://schemas.openxmlformats.org/presentationml/2006/main">
   <p:cSld>
@@ -283,7 +309,7 @@
             <a:fld id="{524DC8F9-1DCD-4754-A44C-6EBB62BDA97B}" type="datetimeFigureOut">
               <a:rPr lang="en-US" smtClean="0"/>
               <a:pPr/>
-              <a:t>6/15/2019</a:t>
+              <a:t>6/10/2020</a:t>
             </a:fld>
             <a:endParaRPr lang="en-US"/>
           </a:p>
@@ -5930,7 +5956,7 @@
           <a:lstStyle/>
           <a:p>
             <a:r>
-              <a:rPr lang="en-US" sz="2800" smtClean="0"/>
+              <a:rPr lang="en-US" sz="2800" dirty="0" smtClean="0"/>
               <a:t>How to get/set img tag src attribute</a:t>
             </a:r>
           </a:p>
@@ -5939,14 +5965,14 @@
               <a:buNone/>
             </a:pPr>
             <a:r>
-              <a:rPr lang="en-US" sz="2400" smtClean="0">
+              <a:rPr lang="en-US" sz="2400" dirty="0" smtClean="0">
                 <a:latin typeface="Courier New" panose="02070309020205020404" pitchFamily="49" charset="0"/>
                 <a:cs typeface="Courier New" panose="02070309020205020404" pitchFamily="49" charset="0"/>
               </a:rPr>
               <a:t>	</a:t>
             </a:r>
             <a:r>
-              <a:rPr lang="en-US" sz="2000" smtClean="0">
+              <a:rPr lang="en-US" sz="2000" dirty="0" smtClean="0">
                 <a:latin typeface="Courier New" panose="02070309020205020404" pitchFamily="49" charset="0"/>
                 <a:cs typeface="Courier New" panose="02070309020205020404" pitchFamily="49" charset="0"/>
               </a:rPr>
@@ -5958,14 +5984,14 @@
               <a:buNone/>
             </a:pPr>
             <a:r>
-              <a:rPr lang="en-US" sz="2000">
+              <a:rPr lang="en-US" sz="2000" dirty="0">
                 <a:latin typeface="Courier New" panose="02070309020205020404" pitchFamily="49" charset="0"/>
                 <a:cs typeface="Courier New" panose="02070309020205020404" pitchFamily="49" charset="0"/>
               </a:rPr>
               <a:t>	</a:t>
             </a:r>
             <a:r>
-              <a:rPr lang="en-US" sz="2000" smtClean="0">
+              <a:rPr lang="en-US" sz="2000" dirty="0" smtClean="0">
                 <a:latin typeface="Courier New" panose="02070309020205020404" pitchFamily="49" charset="0"/>
                 <a:cs typeface="Courier New" panose="02070309020205020404" pitchFamily="49" charset="0"/>
               </a:rPr>
@@ -5977,14 +6003,14 @@
               <a:buNone/>
             </a:pPr>
             <a:r>
-              <a:rPr lang="en-US" sz="2000">
+              <a:rPr lang="en-US" sz="2000" dirty="0">
                 <a:latin typeface="Courier New" panose="02070309020205020404" pitchFamily="49" charset="0"/>
                 <a:cs typeface="Courier New" panose="02070309020205020404" pitchFamily="49" charset="0"/>
               </a:rPr>
               <a:t>	</a:t>
             </a:r>
             <a:r>
-              <a:rPr lang="en-US" sz="2000" smtClean="0">
+              <a:rPr lang="en-US" sz="2000" dirty="0" smtClean="0">
                 <a:latin typeface="Courier New" panose="02070309020205020404" pitchFamily="49" charset="0"/>
                 <a:cs typeface="Courier New" panose="02070309020205020404" pitchFamily="49" charset="0"/>
               </a:rPr>
@@ -5993,30 +6019,30 @@
           </a:p>
           <a:p>
             <a:r>
-              <a:rPr lang="en-US" sz="2800" smtClean="0"/>
+              <a:rPr lang="en-US" sz="2800" dirty="0" smtClean="0"/>
               <a:t>Or you can code</a:t>
             </a:r>
-            <a:endParaRPr lang="en-US" sz="2800"/>
+            <a:endParaRPr lang="en-US" sz="2800" dirty="0"/>
           </a:p>
           <a:p>
             <a:pPr marL="0" indent="0">
               <a:buNone/>
             </a:pPr>
             <a:r>
-              <a:rPr lang="en-US" sz="2000">
+              <a:rPr lang="en-US" sz="2000" dirty="0">
                 <a:latin typeface="Courier New" panose="02070309020205020404" pitchFamily="49" charset="0"/>
                 <a:cs typeface="Courier New" panose="02070309020205020404" pitchFamily="49" charset="0"/>
               </a:rPr>
               <a:t>	alert(imageElement</a:t>
             </a:r>
             <a:r>
-              <a:rPr lang="en-US" sz="2000" smtClean="0">
+              <a:rPr lang="en-US" sz="2000" dirty="0" smtClean="0">
                 <a:latin typeface="Courier New" panose="02070309020205020404" pitchFamily="49" charset="0"/>
                 <a:cs typeface="Courier New" panose="02070309020205020404" pitchFamily="49" charset="0"/>
               </a:rPr>
               <a:t>. Src);</a:t>
             </a:r>
-            <a:endParaRPr lang="en-US" sz="2000">
+            <a:endParaRPr lang="en-US" sz="2000" dirty="0">
               <a:latin typeface="Courier New" panose="02070309020205020404" pitchFamily="49" charset="0"/>
               <a:cs typeface="Courier New" panose="02070309020205020404" pitchFamily="49" charset="0"/>
             </a:endParaRPr>
@@ -6026,44 +6052,44 @@
               <a:buNone/>
             </a:pPr>
             <a:r>
-              <a:rPr lang="en-US" sz="2000">
+              <a:rPr lang="en-US" sz="2000" dirty="0">
                 <a:latin typeface="Courier New" panose="02070309020205020404" pitchFamily="49" charset="0"/>
                 <a:cs typeface="Courier New" panose="02070309020205020404" pitchFamily="49" charset="0"/>
               </a:rPr>
               <a:t>	</a:t>
             </a:r>
             <a:r>
-              <a:rPr lang="en-US" sz="2000" smtClean="0">
+              <a:rPr lang="en-US" sz="2000" dirty="0" smtClean="0">
                 <a:latin typeface="Courier New" panose="02070309020205020404" pitchFamily="49" charset="0"/>
                 <a:cs typeface="Courier New" panose="02070309020205020404" pitchFamily="49" charset="0"/>
               </a:rPr>
               <a:t>iamgeElement.src = ”lures.jpg”;</a:t>
             </a:r>
-            <a:endParaRPr lang="en-US" sz="2000">
+            <a:endParaRPr lang="en-US" sz="2000" dirty="0">
               <a:latin typeface="Courier New" panose="02070309020205020404" pitchFamily="49" charset="0"/>
               <a:cs typeface="Courier New" panose="02070309020205020404" pitchFamily="49" charset="0"/>
             </a:endParaRPr>
           </a:p>
           <a:p>
             <a:r>
-              <a:rPr lang="en-US" sz="2800" smtClean="0"/>
+              <a:rPr lang="en-US" sz="2800" dirty="0" smtClean="0"/>
               <a:t>How to get id attribute of the first element in an array</a:t>
             </a:r>
-            <a:endParaRPr lang="en-US" sz="2800"/>
+            <a:endParaRPr lang="en-US" sz="2800" dirty="0"/>
           </a:p>
           <a:p>
             <a:pPr marL="0" indent="0">
               <a:buNone/>
             </a:pPr>
             <a:r>
-              <a:rPr lang="en-US" sz="2000">
+              <a:rPr lang="en-US" sz="2000" dirty="0">
                 <a:latin typeface="Courier New" panose="02070309020205020404" pitchFamily="49" charset="0"/>
                 <a:cs typeface="Courier New" panose="02070309020205020404" pitchFamily="49" charset="0"/>
               </a:rPr>
               <a:t>	</a:t>
             </a:r>
             <a:r>
-              <a:rPr lang="en-US" sz="2000" smtClean="0">
+              <a:rPr lang="en-US" sz="2000" dirty="0" smtClean="0">
                 <a:latin typeface="Courier New" panose="02070309020205020404" pitchFamily="49" charset="0"/>
                 <a:cs typeface="Courier New" panose="02070309020205020404" pitchFamily="49" charset="0"/>
               </a:rPr>
@@ -6075,20 +6101,20 @@
               <a:buNone/>
             </a:pPr>
             <a:r>
-              <a:rPr lang="en-US" sz="2000">
+              <a:rPr lang="en-US" sz="2000" dirty="0">
                 <a:latin typeface="Courier New" panose="02070309020205020404" pitchFamily="49" charset="0"/>
                 <a:cs typeface="Courier New" panose="02070309020205020404" pitchFamily="49" charset="0"/>
               </a:rPr>
               <a:t>	</a:t>
             </a:r>
             <a:r>
-              <a:rPr lang="en-US" sz="2000" smtClean="0">
+              <a:rPr lang="en-US" sz="2000" dirty="0" smtClean="0">
                 <a:latin typeface="Courier New" panose="02070309020205020404" pitchFamily="49" charset="0"/>
                 <a:cs typeface="Courier New" panose="02070309020205020404" pitchFamily="49" charset="0"/>
               </a:rPr>
               <a:t>var firstLinkId = links[0].id;</a:t>
             </a:r>
-            <a:endParaRPr lang="en-US" sz="2000">
+            <a:endParaRPr lang="en-US" sz="2000" dirty="0">
               <a:latin typeface="Courier New" panose="02070309020205020404" pitchFamily="49" charset="0"/>
               <a:cs typeface="Courier New" panose="02070309020205020404" pitchFamily="49" charset="0"/>
             </a:endParaRPr>
@@ -6097,7 +6123,7 @@
             <a:pPr marL="0" indent="0">
               <a:buNone/>
             </a:pPr>
-            <a:endParaRPr lang="en-US" sz="2000" smtClean="0">
+            <a:endParaRPr lang="en-US" sz="2000" dirty="0" smtClean="0">
               <a:latin typeface="Courier New" panose="02070309020205020404" pitchFamily="49" charset="0"/>
               <a:cs typeface="Courier New" panose="02070309020205020404" pitchFamily="49" charset="0"/>
             </a:endParaRPr>
@@ -6106,7 +6132,7 @@
             <a:pPr marL="0" indent="0">
               <a:buNone/>
             </a:pPr>
-            <a:endParaRPr lang="en-US" sz="2800"/>
+            <a:endParaRPr lang="en-US" sz="2800" dirty="0"/>
           </a:p>
         </p:txBody>
       </p:sp>
@@ -6189,7 +6215,7 @@
           <a:lstStyle/>
           <a:p>
             <a:r>
-              <a:rPr lang="en-US" sz="2800" smtClean="0"/>
+              <a:rPr lang="en-US" sz="2800" dirty="0" smtClean="0"/>
               <a:t>How to get href attribute of an &lt;a&gt; element</a:t>
             </a:r>
           </a:p>
@@ -6198,14 +6224,14 @@
               <a:buNone/>
             </a:pPr>
             <a:r>
-              <a:rPr lang="en-US" sz="2800" smtClean="0">
+              <a:rPr lang="en-US" sz="2800" dirty="0" smtClean="0">
                 <a:latin typeface="Courier New" panose="02070309020205020404" pitchFamily="49" charset="0"/>
                 <a:cs typeface="Courier New" panose="02070309020205020404" pitchFamily="49" charset="0"/>
               </a:rPr>
               <a:t>	</a:t>
             </a:r>
             <a:r>
-              <a:rPr lang="en-US" sz="2400" smtClean="0">
+              <a:rPr lang="en-US" sz="2400" dirty="0" smtClean="0">
                 <a:latin typeface="Courier New" panose="02070309020205020404" pitchFamily="49" charset="0"/>
                 <a:cs typeface="Courier New" panose="02070309020205020404" pitchFamily="49" charset="0"/>
               </a:rPr>
@@ -6214,30 +6240,30 @@
           </a:p>
           <a:p>
             <a:r>
-              <a:rPr lang="en-US" sz="2800" smtClean="0"/>
+              <a:rPr lang="en-US" sz="2800" dirty="0" smtClean="0"/>
               <a:t>How to set/get attribute of an element with two class names</a:t>
             </a:r>
-            <a:endParaRPr lang="en-US" sz="2800"/>
+            <a:endParaRPr lang="en-US" sz="2800" dirty="0"/>
           </a:p>
           <a:p>
             <a:pPr marL="0" indent="0">
               <a:buNone/>
             </a:pPr>
             <a:r>
-              <a:rPr lang="en-US" sz="2400">
+              <a:rPr lang="en-US" sz="2400" dirty="0">
                 <a:latin typeface="Courier New" panose="02070309020205020404" pitchFamily="49" charset="0"/>
                 <a:cs typeface="Courier New" panose="02070309020205020404" pitchFamily="49" charset="0"/>
               </a:rPr>
               <a:t>	</a:t>
             </a:r>
             <a:r>
-              <a:rPr lang="en-US" sz="2400" smtClean="0">
+              <a:rPr lang="en-US" sz="2400" dirty="0" smtClean="0">
                 <a:latin typeface="Courier New" panose="02070309020205020404" pitchFamily="49" charset="0"/>
                 <a:cs typeface="Courier New" panose="02070309020205020404" pitchFamily="49" charset="0"/>
               </a:rPr>
               <a:t>$(“div”).className = “Open plus”;</a:t>
             </a:r>
-            <a:endParaRPr lang="en-US" sz="2400">
+            <a:endParaRPr lang="en-US" sz="2400" dirty="0">
               <a:latin typeface="Courier New" panose="02070309020205020404" pitchFamily="49" charset="0"/>
               <a:cs typeface="Courier New" panose="02070309020205020404" pitchFamily="49" charset="0"/>
             </a:endParaRPr>
@@ -6247,50 +6273,50 @@
               <a:buNone/>
             </a:pPr>
             <a:r>
-              <a:rPr lang="en-US" sz="2400">
+              <a:rPr lang="en-US" sz="2400" dirty="0">
                 <a:latin typeface="Courier New" panose="02070309020205020404" pitchFamily="49" charset="0"/>
                 <a:cs typeface="Courier New" panose="02070309020205020404" pitchFamily="49" charset="0"/>
               </a:rPr>
               <a:t>	</a:t>
             </a:r>
             <a:r>
-              <a:rPr lang="en-US" sz="2400" smtClean="0">
+              <a:rPr lang="en-US" sz="2400" dirty="0" smtClean="0">
                 <a:latin typeface="Courier New" panose="02070309020205020404" pitchFamily="49" charset="0"/>
                 <a:cs typeface="Courier New" panose="02070309020205020404" pitchFamily="49" charset="0"/>
               </a:rPr>
               <a:t>var classNames = $(“div”).className;</a:t>
             </a:r>
-            <a:endParaRPr lang="en-US" sz="2400">
+            <a:endParaRPr lang="en-US" sz="2400" dirty="0">
               <a:latin typeface="Courier New" panose="02070309020205020404" pitchFamily="49" charset="0"/>
               <a:cs typeface="Courier New" panose="02070309020205020404" pitchFamily="49" charset="0"/>
             </a:endParaRPr>
           </a:p>
           <a:p>
             <a:r>
-              <a:rPr lang="en-US" sz="2800" smtClean="0"/>
+              <a:rPr lang="en-US" sz="2800" dirty="0" smtClean="0"/>
               <a:t>How to disable and enable an element</a:t>
             </a:r>
-            <a:endParaRPr lang="en-US" sz="2800"/>
+            <a:endParaRPr lang="en-US" sz="2800" dirty="0"/>
           </a:p>
           <a:p>
             <a:pPr marL="0" indent="0">
               <a:buNone/>
             </a:pPr>
             <a:r>
-              <a:rPr lang="en-US" sz="2400">
+              <a:rPr lang="en-US" sz="2400" dirty="0">
                 <a:latin typeface="Courier New" panose="02070309020205020404" pitchFamily="49" charset="0"/>
                 <a:cs typeface="Courier New" panose="02070309020205020404" pitchFamily="49" charset="0"/>
               </a:rPr>
               <a:t>	</a:t>
             </a:r>
             <a:r>
-              <a:rPr lang="en-US" sz="2400" smtClean="0">
+              <a:rPr lang="en-US" sz="2400" dirty="0" smtClean="0">
                 <a:latin typeface="Courier New" panose="02070309020205020404" pitchFamily="49" charset="0"/>
                 <a:cs typeface="Courier New" panose="02070309020205020404" pitchFamily="49" charset="0"/>
               </a:rPr>
               <a:t>$(“bntPlay”).disable = true;</a:t>
             </a:r>
-            <a:endParaRPr lang="en-US" sz="2400">
+            <a:endParaRPr lang="en-US" sz="2400" dirty="0">
               <a:latin typeface="Courier New" panose="02070309020205020404" pitchFamily="49" charset="0"/>
               <a:cs typeface="Courier New" panose="02070309020205020404" pitchFamily="49" charset="0"/>
             </a:endParaRPr>
@@ -6300,20 +6326,20 @@
               <a:buNone/>
             </a:pPr>
             <a:r>
-              <a:rPr lang="en-US" sz="2400">
+              <a:rPr lang="en-US" sz="2400" dirty="0">
                 <a:latin typeface="Courier New" panose="02070309020205020404" pitchFamily="49" charset="0"/>
                 <a:cs typeface="Courier New" panose="02070309020205020404" pitchFamily="49" charset="0"/>
               </a:rPr>
               <a:t>	$(“bntPlay”).disable = </a:t>
             </a:r>
             <a:r>
-              <a:rPr lang="en-US" sz="2400" smtClean="0">
+              <a:rPr lang="en-US" sz="2400" dirty="0" smtClean="0">
                 <a:latin typeface="Courier New" panose="02070309020205020404" pitchFamily="49" charset="0"/>
                 <a:cs typeface="Courier New" panose="02070309020205020404" pitchFamily="49" charset="0"/>
               </a:rPr>
               <a:t>false;</a:t>
             </a:r>
-            <a:endParaRPr lang="en-US" sz="2400">
+            <a:endParaRPr lang="en-US" sz="2400" dirty="0">
               <a:latin typeface="Courier New" panose="02070309020205020404" pitchFamily="49" charset="0"/>
               <a:cs typeface="Courier New" panose="02070309020205020404" pitchFamily="49" charset="0"/>
             </a:endParaRPr>
@@ -6322,7 +6348,7 @@
             <a:pPr marL="0" indent="0">
               <a:buNone/>
             </a:pPr>
-            <a:endParaRPr lang="en-US" sz="2000" smtClean="0">
+            <a:endParaRPr lang="en-US" sz="2000" dirty="0" smtClean="0">
               <a:latin typeface="Courier New" panose="02070309020205020404" pitchFamily="49" charset="0"/>
               <a:cs typeface="Courier New" panose="02070309020205020404" pitchFamily="49" charset="0"/>
             </a:endParaRPr>
@@ -6331,7 +6357,7 @@
             <a:pPr marL="0" indent="0">
               <a:buNone/>
             </a:pPr>
-            <a:endParaRPr lang="en-US" sz="2800"/>
+            <a:endParaRPr lang="en-US" sz="2800" dirty="0"/>
           </a:p>
         </p:txBody>
       </p:sp>
@@ -6940,7 +6966,7 @@
         </p:blipFill>
         <p:spPr>
           <a:xfrm>
-            <a:off x="202468" y="1524000"/>
+            <a:off x="329834" y="1524000"/>
             <a:ext cx="8484332" cy="3962400"/>
           </a:xfrm>
           <a:prstGeom prst="rect">
@@ -8475,10 +8501,10 @@
                     <a:lstStyle/>
                     <a:p>
                       <a:r>
-                        <a:rPr lang="en-US" sz="2000" smtClean="0"/>
+                        <a:rPr lang="en-US" sz="2000" dirty="0" smtClean="0"/>
                         <a:t>Removes the focus from the control.</a:t>
                       </a:r>
-                      <a:endParaRPr lang="en-US" sz="2000"/>
+                      <a:endParaRPr lang="en-US" sz="2000" dirty="0"/>
                     </a:p>
                   </a:txBody>
                   <a:tcPr/>
